--- a/ppt 16-9/0557.快悔改.pptx
+++ b/ppt 16-9/0557.快悔改.pptx
@@ -129,7 +129,7 @@
           <p:cNvPr id="2" name="标题 1">
             <a:extLst>
               <a:ext uri="{FF2B5EF4-FFF2-40B4-BE49-F238E27FC236}">
-                <a16:creationId xmlns:a16="http://schemas.microsoft.com/office/drawing/2014/main" id="{31B605A2-4C98-CD0D-7A18-791A3775E80E}"/>
+                <a16:creationId xmlns:a16="http://schemas.microsoft.com/office/drawing/2014/main" id="{040D042E-97C6-D2CA-3BC7-ABC0C5E1B48B}"/>
               </a:ext>
             </a:extLst>
           </p:cNvPr>
@@ -166,7 +166,7 @@
           <p:cNvPr id="3" name="副标题 2">
             <a:extLst>
               <a:ext uri="{FF2B5EF4-FFF2-40B4-BE49-F238E27FC236}">
-                <a16:creationId xmlns:a16="http://schemas.microsoft.com/office/drawing/2014/main" id="{63E90F9E-DF4F-42F8-8213-B6598D3CF1AA}"/>
+                <a16:creationId xmlns:a16="http://schemas.microsoft.com/office/drawing/2014/main" id="{F105B9A6-28CF-B42A-1B32-073778619C06}"/>
               </a:ext>
             </a:extLst>
           </p:cNvPr>
@@ -236,7 +236,7 @@
           <p:cNvPr id="4" name="日期占位符 3">
             <a:extLst>
               <a:ext uri="{FF2B5EF4-FFF2-40B4-BE49-F238E27FC236}">
-                <a16:creationId xmlns:a16="http://schemas.microsoft.com/office/drawing/2014/main" id="{2FB14F2F-42A6-AD88-E261-7973DD05FAB1}"/>
+                <a16:creationId xmlns:a16="http://schemas.microsoft.com/office/drawing/2014/main" id="{956A16D9-A46D-6955-A686-2E41DDF9B399}"/>
               </a:ext>
             </a:extLst>
           </p:cNvPr>
@@ -252,7 +252,7 @@
           <a:bodyPr/>
           <a:lstStyle/>
           <a:p>
-            <a:fld id="{216287DD-2379-47E1-8606-477342DD2A51}" type="datetimeFigureOut">
+            <a:fld id="{FB87E615-4573-4583-9836-1395B939776C}" type="datetimeFigureOut">
               <a:rPr lang="zh-CN" altLang="en-US" smtClean="0"/>
               <a:t>2024/3/10</a:t>
             </a:fld>
@@ -265,7 +265,7 @@
           <p:cNvPr id="5" name="页脚占位符 4">
             <a:extLst>
               <a:ext uri="{FF2B5EF4-FFF2-40B4-BE49-F238E27FC236}">
-                <a16:creationId xmlns:a16="http://schemas.microsoft.com/office/drawing/2014/main" id="{67415CA1-EBCB-EFE9-7EAF-3CDF6BC7B1C2}"/>
+                <a16:creationId xmlns:a16="http://schemas.microsoft.com/office/drawing/2014/main" id="{97E70B76-6A04-88C6-323C-05BAA99688E4}"/>
               </a:ext>
             </a:extLst>
           </p:cNvPr>
@@ -290,7 +290,7 @@
           <p:cNvPr id="6" name="灯片编号占位符 5">
             <a:extLst>
               <a:ext uri="{FF2B5EF4-FFF2-40B4-BE49-F238E27FC236}">
-                <a16:creationId xmlns:a16="http://schemas.microsoft.com/office/drawing/2014/main" id="{F6FE7C81-E2BF-256F-C90D-069DB484BB83}"/>
+                <a16:creationId xmlns:a16="http://schemas.microsoft.com/office/drawing/2014/main" id="{0DF51E06-957F-B98E-9175-A1A4693CACDF}"/>
               </a:ext>
             </a:extLst>
           </p:cNvPr>
@@ -306,7 +306,7 @@
           <a:bodyPr/>
           <a:lstStyle/>
           <a:p>
-            <a:fld id="{1A211501-EDE0-4E83-AEBF-107C87696B10}" type="slidenum">
+            <a:fld id="{B44E8036-2533-4B75-BE2D-92A6FCB7CE52}" type="slidenum">
               <a:rPr lang="zh-CN" altLang="en-US" smtClean="0"/>
               <a:t>‹#›</a:t>
             </a:fld>
@@ -317,7 +317,7 @@
     </p:spTree>
     <p:extLst>
       <p:ext uri="{BB962C8B-B14F-4D97-AF65-F5344CB8AC3E}">
-        <p14:creationId xmlns:p14="http://schemas.microsoft.com/office/powerpoint/2010/main" val="550504205"/>
+        <p14:creationId xmlns:p14="http://schemas.microsoft.com/office/powerpoint/2010/main" val="1436923440"/>
       </p:ext>
     </p:extLst>
   </p:cSld>
@@ -349,7 +349,7 @@
           <p:cNvPr id="2" name="标题 1">
             <a:extLst>
               <a:ext uri="{FF2B5EF4-FFF2-40B4-BE49-F238E27FC236}">
-                <a16:creationId xmlns:a16="http://schemas.microsoft.com/office/drawing/2014/main" id="{C85C01AC-0801-4213-DFDB-7A6A9E946DD9}"/>
+                <a16:creationId xmlns:a16="http://schemas.microsoft.com/office/drawing/2014/main" id="{204C31D1-D4E5-73E6-657F-D370D5622656}"/>
               </a:ext>
             </a:extLst>
           </p:cNvPr>
@@ -377,7 +377,7 @@
           <p:cNvPr id="3" name="竖排文字占位符 2">
             <a:extLst>
               <a:ext uri="{FF2B5EF4-FFF2-40B4-BE49-F238E27FC236}">
-                <a16:creationId xmlns:a16="http://schemas.microsoft.com/office/drawing/2014/main" id="{4DE8473C-F9E4-AAB8-25AC-46EAF172FA10}"/>
+                <a16:creationId xmlns:a16="http://schemas.microsoft.com/office/drawing/2014/main" id="{895D073F-CAF7-52EF-9830-6658D08A78C5}"/>
               </a:ext>
             </a:extLst>
           </p:cNvPr>
@@ -434,7 +434,7 @@
           <p:cNvPr id="4" name="日期占位符 3">
             <a:extLst>
               <a:ext uri="{FF2B5EF4-FFF2-40B4-BE49-F238E27FC236}">
-                <a16:creationId xmlns:a16="http://schemas.microsoft.com/office/drawing/2014/main" id="{D24C97BD-37B0-B572-70EA-CBD9A0FE999D}"/>
+                <a16:creationId xmlns:a16="http://schemas.microsoft.com/office/drawing/2014/main" id="{98495400-D5D0-E0BD-C498-2DAD3DBAB511}"/>
               </a:ext>
             </a:extLst>
           </p:cNvPr>
@@ -450,7 +450,7 @@
           <a:bodyPr/>
           <a:lstStyle/>
           <a:p>
-            <a:fld id="{216287DD-2379-47E1-8606-477342DD2A51}" type="datetimeFigureOut">
+            <a:fld id="{FB87E615-4573-4583-9836-1395B939776C}" type="datetimeFigureOut">
               <a:rPr lang="zh-CN" altLang="en-US" smtClean="0"/>
               <a:t>2024/3/10</a:t>
             </a:fld>
@@ -463,7 +463,7 @@
           <p:cNvPr id="5" name="页脚占位符 4">
             <a:extLst>
               <a:ext uri="{FF2B5EF4-FFF2-40B4-BE49-F238E27FC236}">
-                <a16:creationId xmlns:a16="http://schemas.microsoft.com/office/drawing/2014/main" id="{2B623B9A-E7DB-E0A7-EF05-94E15F2CA92F}"/>
+                <a16:creationId xmlns:a16="http://schemas.microsoft.com/office/drawing/2014/main" id="{CA615A72-8B29-E2EF-250C-D054302B891B}"/>
               </a:ext>
             </a:extLst>
           </p:cNvPr>
@@ -488,7 +488,7 @@
           <p:cNvPr id="6" name="灯片编号占位符 5">
             <a:extLst>
               <a:ext uri="{FF2B5EF4-FFF2-40B4-BE49-F238E27FC236}">
-                <a16:creationId xmlns:a16="http://schemas.microsoft.com/office/drawing/2014/main" id="{8CFB5D99-49FD-3F8A-E1A6-0560680DD7DD}"/>
+                <a16:creationId xmlns:a16="http://schemas.microsoft.com/office/drawing/2014/main" id="{ED8ABC84-9AF3-C35C-C909-9EE34A80C2DB}"/>
               </a:ext>
             </a:extLst>
           </p:cNvPr>
@@ -504,7 +504,7 @@
           <a:bodyPr/>
           <a:lstStyle/>
           <a:p>
-            <a:fld id="{1A211501-EDE0-4E83-AEBF-107C87696B10}" type="slidenum">
+            <a:fld id="{B44E8036-2533-4B75-BE2D-92A6FCB7CE52}" type="slidenum">
               <a:rPr lang="zh-CN" altLang="en-US" smtClean="0"/>
               <a:t>‹#›</a:t>
             </a:fld>
@@ -515,7 +515,7 @@
     </p:spTree>
     <p:extLst>
       <p:ext uri="{BB962C8B-B14F-4D97-AF65-F5344CB8AC3E}">
-        <p14:creationId xmlns:p14="http://schemas.microsoft.com/office/powerpoint/2010/main" val="1351805755"/>
+        <p14:creationId xmlns:p14="http://schemas.microsoft.com/office/powerpoint/2010/main" val="2365637739"/>
       </p:ext>
     </p:extLst>
   </p:cSld>
@@ -547,7 +547,7 @@
           <p:cNvPr id="2" name="竖排标题 1">
             <a:extLst>
               <a:ext uri="{FF2B5EF4-FFF2-40B4-BE49-F238E27FC236}">
-                <a16:creationId xmlns:a16="http://schemas.microsoft.com/office/drawing/2014/main" id="{DD1818CF-76BA-6F8E-49A5-AD38AD8374F0}"/>
+                <a16:creationId xmlns:a16="http://schemas.microsoft.com/office/drawing/2014/main" id="{9A1428D2-4D02-84FD-138B-18CAA8BDEF48}"/>
               </a:ext>
             </a:extLst>
           </p:cNvPr>
@@ -580,7 +580,7 @@
           <p:cNvPr id="3" name="竖排文字占位符 2">
             <a:extLst>
               <a:ext uri="{FF2B5EF4-FFF2-40B4-BE49-F238E27FC236}">
-                <a16:creationId xmlns:a16="http://schemas.microsoft.com/office/drawing/2014/main" id="{0A8F75BB-D088-71B2-A0B7-AB944E557E28}"/>
+                <a16:creationId xmlns:a16="http://schemas.microsoft.com/office/drawing/2014/main" id="{D8F6DADF-B077-01CD-961C-E4994709BCA1}"/>
               </a:ext>
             </a:extLst>
           </p:cNvPr>
@@ -642,7 +642,7 @@
           <p:cNvPr id="4" name="日期占位符 3">
             <a:extLst>
               <a:ext uri="{FF2B5EF4-FFF2-40B4-BE49-F238E27FC236}">
-                <a16:creationId xmlns:a16="http://schemas.microsoft.com/office/drawing/2014/main" id="{2E7A813E-2A91-B575-D433-8803C8C01150}"/>
+                <a16:creationId xmlns:a16="http://schemas.microsoft.com/office/drawing/2014/main" id="{CA3A4D12-FBCB-91EF-CD6E-F1382F9030CF}"/>
               </a:ext>
             </a:extLst>
           </p:cNvPr>
@@ -658,7 +658,7 @@
           <a:bodyPr/>
           <a:lstStyle/>
           <a:p>
-            <a:fld id="{216287DD-2379-47E1-8606-477342DD2A51}" type="datetimeFigureOut">
+            <a:fld id="{FB87E615-4573-4583-9836-1395B939776C}" type="datetimeFigureOut">
               <a:rPr lang="zh-CN" altLang="en-US" smtClean="0"/>
               <a:t>2024/3/10</a:t>
             </a:fld>
@@ -671,7 +671,7 @@
           <p:cNvPr id="5" name="页脚占位符 4">
             <a:extLst>
               <a:ext uri="{FF2B5EF4-FFF2-40B4-BE49-F238E27FC236}">
-                <a16:creationId xmlns:a16="http://schemas.microsoft.com/office/drawing/2014/main" id="{DA1B978D-8C7A-7C0E-7DA6-18503341D09A}"/>
+                <a16:creationId xmlns:a16="http://schemas.microsoft.com/office/drawing/2014/main" id="{D9ABD8D5-4447-2A1F-61F8-64A0EECDD29C}"/>
               </a:ext>
             </a:extLst>
           </p:cNvPr>
@@ -696,7 +696,7 @@
           <p:cNvPr id="6" name="灯片编号占位符 5">
             <a:extLst>
               <a:ext uri="{FF2B5EF4-FFF2-40B4-BE49-F238E27FC236}">
-                <a16:creationId xmlns:a16="http://schemas.microsoft.com/office/drawing/2014/main" id="{225FE2CA-A0BF-9C3B-6E49-C830720062A5}"/>
+                <a16:creationId xmlns:a16="http://schemas.microsoft.com/office/drawing/2014/main" id="{A470392B-1109-94B3-41D3-30B4F326EF6A}"/>
               </a:ext>
             </a:extLst>
           </p:cNvPr>
@@ -712,7 +712,7 @@
           <a:bodyPr/>
           <a:lstStyle/>
           <a:p>
-            <a:fld id="{1A211501-EDE0-4E83-AEBF-107C87696B10}" type="slidenum">
+            <a:fld id="{B44E8036-2533-4B75-BE2D-92A6FCB7CE52}" type="slidenum">
               <a:rPr lang="zh-CN" altLang="en-US" smtClean="0"/>
               <a:t>‹#›</a:t>
             </a:fld>
@@ -723,7 +723,7 @@
     </p:spTree>
     <p:extLst>
       <p:ext uri="{BB962C8B-B14F-4D97-AF65-F5344CB8AC3E}">
-        <p14:creationId xmlns:p14="http://schemas.microsoft.com/office/powerpoint/2010/main" val="2960663859"/>
+        <p14:creationId xmlns:p14="http://schemas.microsoft.com/office/powerpoint/2010/main" val="22726681"/>
       </p:ext>
     </p:extLst>
   </p:cSld>
@@ -755,7 +755,7 @@
           <p:cNvPr id="2" name="标题 1">
             <a:extLst>
               <a:ext uri="{FF2B5EF4-FFF2-40B4-BE49-F238E27FC236}">
-                <a16:creationId xmlns:a16="http://schemas.microsoft.com/office/drawing/2014/main" id="{7B03D56A-0B68-088F-8CD2-331784055D80}"/>
+                <a16:creationId xmlns:a16="http://schemas.microsoft.com/office/drawing/2014/main" id="{B0144194-74AA-54DB-9EB1-793B000257E6}"/>
               </a:ext>
             </a:extLst>
           </p:cNvPr>
@@ -783,7 +783,7 @@
           <p:cNvPr id="3" name="内容占位符 2">
             <a:extLst>
               <a:ext uri="{FF2B5EF4-FFF2-40B4-BE49-F238E27FC236}">
-                <a16:creationId xmlns:a16="http://schemas.microsoft.com/office/drawing/2014/main" id="{04929633-1FDF-486D-9FD7-B8CD3526911D}"/>
+                <a16:creationId xmlns:a16="http://schemas.microsoft.com/office/drawing/2014/main" id="{DA0BE5B0-A282-E367-CCFC-312974C7DC92}"/>
               </a:ext>
             </a:extLst>
           </p:cNvPr>
@@ -840,7 +840,7 @@
           <p:cNvPr id="4" name="日期占位符 3">
             <a:extLst>
               <a:ext uri="{FF2B5EF4-FFF2-40B4-BE49-F238E27FC236}">
-                <a16:creationId xmlns:a16="http://schemas.microsoft.com/office/drawing/2014/main" id="{8D8C26FE-D6DD-AFA0-3C7B-BA74AA1DA034}"/>
+                <a16:creationId xmlns:a16="http://schemas.microsoft.com/office/drawing/2014/main" id="{8F1FD073-441E-5928-F24A-84DEDE6FC56B}"/>
               </a:ext>
             </a:extLst>
           </p:cNvPr>
@@ -856,7 +856,7 @@
           <a:bodyPr/>
           <a:lstStyle/>
           <a:p>
-            <a:fld id="{216287DD-2379-47E1-8606-477342DD2A51}" type="datetimeFigureOut">
+            <a:fld id="{FB87E615-4573-4583-9836-1395B939776C}" type="datetimeFigureOut">
               <a:rPr lang="zh-CN" altLang="en-US" smtClean="0"/>
               <a:t>2024/3/10</a:t>
             </a:fld>
@@ -869,7 +869,7 @@
           <p:cNvPr id="5" name="页脚占位符 4">
             <a:extLst>
               <a:ext uri="{FF2B5EF4-FFF2-40B4-BE49-F238E27FC236}">
-                <a16:creationId xmlns:a16="http://schemas.microsoft.com/office/drawing/2014/main" id="{54527990-CC79-2E0E-4DDB-60DE5A7A2C32}"/>
+                <a16:creationId xmlns:a16="http://schemas.microsoft.com/office/drawing/2014/main" id="{A46AC55E-66DF-890A-4301-12F31E530641}"/>
               </a:ext>
             </a:extLst>
           </p:cNvPr>
@@ -894,7 +894,7 @@
           <p:cNvPr id="6" name="灯片编号占位符 5">
             <a:extLst>
               <a:ext uri="{FF2B5EF4-FFF2-40B4-BE49-F238E27FC236}">
-                <a16:creationId xmlns:a16="http://schemas.microsoft.com/office/drawing/2014/main" id="{745D7427-AB6A-FEBF-A0C3-10DF45FCCEAA}"/>
+                <a16:creationId xmlns:a16="http://schemas.microsoft.com/office/drawing/2014/main" id="{E445C7BA-FD65-2111-5DD0-56691516D1EC}"/>
               </a:ext>
             </a:extLst>
           </p:cNvPr>
@@ -910,7 +910,7 @@
           <a:bodyPr/>
           <a:lstStyle/>
           <a:p>
-            <a:fld id="{1A211501-EDE0-4E83-AEBF-107C87696B10}" type="slidenum">
+            <a:fld id="{B44E8036-2533-4B75-BE2D-92A6FCB7CE52}" type="slidenum">
               <a:rPr lang="zh-CN" altLang="en-US" smtClean="0"/>
               <a:t>‹#›</a:t>
             </a:fld>
@@ -921,7 +921,7 @@
     </p:spTree>
     <p:extLst>
       <p:ext uri="{BB962C8B-B14F-4D97-AF65-F5344CB8AC3E}">
-        <p14:creationId xmlns:p14="http://schemas.microsoft.com/office/powerpoint/2010/main" val="1129631965"/>
+        <p14:creationId xmlns:p14="http://schemas.microsoft.com/office/powerpoint/2010/main" val="475276957"/>
       </p:ext>
     </p:extLst>
   </p:cSld>
@@ -953,7 +953,7 @@
           <p:cNvPr id="2" name="标题 1">
             <a:extLst>
               <a:ext uri="{FF2B5EF4-FFF2-40B4-BE49-F238E27FC236}">
-                <a16:creationId xmlns:a16="http://schemas.microsoft.com/office/drawing/2014/main" id="{2D6FF151-0BF3-238C-FA7B-D5946ED23301}"/>
+                <a16:creationId xmlns:a16="http://schemas.microsoft.com/office/drawing/2014/main" id="{F7B11A9B-A5F2-6EF8-3755-2AFF2BCD7715}"/>
               </a:ext>
             </a:extLst>
           </p:cNvPr>
@@ -990,7 +990,7 @@
           <p:cNvPr id="3" name="文本占位符 2">
             <a:extLst>
               <a:ext uri="{FF2B5EF4-FFF2-40B4-BE49-F238E27FC236}">
-                <a16:creationId xmlns:a16="http://schemas.microsoft.com/office/drawing/2014/main" id="{55DEC4E2-E6AB-8958-856E-B12BBF5CE0D5}"/>
+                <a16:creationId xmlns:a16="http://schemas.microsoft.com/office/drawing/2014/main" id="{BBEDCD4A-E36E-1CCE-9F0A-C982037D405A}"/>
               </a:ext>
             </a:extLst>
           </p:cNvPr>
@@ -1115,7 +1115,7 @@
           <p:cNvPr id="4" name="日期占位符 3">
             <a:extLst>
               <a:ext uri="{FF2B5EF4-FFF2-40B4-BE49-F238E27FC236}">
-                <a16:creationId xmlns:a16="http://schemas.microsoft.com/office/drawing/2014/main" id="{19FE67A5-22EA-6C0A-C6A0-396F2BEC25A9}"/>
+                <a16:creationId xmlns:a16="http://schemas.microsoft.com/office/drawing/2014/main" id="{8A7ED52B-64EE-DF69-EE91-B0ABDF1AF411}"/>
               </a:ext>
             </a:extLst>
           </p:cNvPr>
@@ -1131,7 +1131,7 @@
           <a:bodyPr/>
           <a:lstStyle/>
           <a:p>
-            <a:fld id="{216287DD-2379-47E1-8606-477342DD2A51}" type="datetimeFigureOut">
+            <a:fld id="{FB87E615-4573-4583-9836-1395B939776C}" type="datetimeFigureOut">
               <a:rPr lang="zh-CN" altLang="en-US" smtClean="0"/>
               <a:t>2024/3/10</a:t>
             </a:fld>
@@ -1144,7 +1144,7 @@
           <p:cNvPr id="5" name="页脚占位符 4">
             <a:extLst>
               <a:ext uri="{FF2B5EF4-FFF2-40B4-BE49-F238E27FC236}">
-                <a16:creationId xmlns:a16="http://schemas.microsoft.com/office/drawing/2014/main" id="{B1B9B543-570D-D884-2DDD-10A05D6F8118}"/>
+                <a16:creationId xmlns:a16="http://schemas.microsoft.com/office/drawing/2014/main" id="{A8C5A8C2-DA53-413D-B746-A10724A5174F}"/>
               </a:ext>
             </a:extLst>
           </p:cNvPr>
@@ -1169,7 +1169,7 @@
           <p:cNvPr id="6" name="灯片编号占位符 5">
             <a:extLst>
               <a:ext uri="{FF2B5EF4-FFF2-40B4-BE49-F238E27FC236}">
-                <a16:creationId xmlns:a16="http://schemas.microsoft.com/office/drawing/2014/main" id="{535D815D-D7D4-2560-3E7E-6C917FCDEA28}"/>
+                <a16:creationId xmlns:a16="http://schemas.microsoft.com/office/drawing/2014/main" id="{F2B3C4F7-2E78-DBE3-BEC0-1E17D015E612}"/>
               </a:ext>
             </a:extLst>
           </p:cNvPr>
@@ -1185,7 +1185,7 @@
           <a:bodyPr/>
           <a:lstStyle/>
           <a:p>
-            <a:fld id="{1A211501-EDE0-4E83-AEBF-107C87696B10}" type="slidenum">
+            <a:fld id="{B44E8036-2533-4B75-BE2D-92A6FCB7CE52}" type="slidenum">
               <a:rPr lang="zh-CN" altLang="en-US" smtClean="0"/>
               <a:t>‹#›</a:t>
             </a:fld>
@@ -1196,7 +1196,7 @@
     </p:spTree>
     <p:extLst>
       <p:ext uri="{BB962C8B-B14F-4D97-AF65-F5344CB8AC3E}">
-        <p14:creationId xmlns:p14="http://schemas.microsoft.com/office/powerpoint/2010/main" val="307199459"/>
+        <p14:creationId xmlns:p14="http://schemas.microsoft.com/office/powerpoint/2010/main" val="652043356"/>
       </p:ext>
     </p:extLst>
   </p:cSld>
@@ -1228,7 +1228,7 @@
           <p:cNvPr id="2" name="标题 1">
             <a:extLst>
               <a:ext uri="{FF2B5EF4-FFF2-40B4-BE49-F238E27FC236}">
-                <a16:creationId xmlns:a16="http://schemas.microsoft.com/office/drawing/2014/main" id="{3C6C989B-32AF-7663-C8CC-1F8E7E45C2E9}"/>
+                <a16:creationId xmlns:a16="http://schemas.microsoft.com/office/drawing/2014/main" id="{1B1188E3-33F6-4FC4-F9CC-BD1833C1A045}"/>
               </a:ext>
             </a:extLst>
           </p:cNvPr>
@@ -1256,7 +1256,7 @@
           <p:cNvPr id="3" name="内容占位符 2">
             <a:extLst>
               <a:ext uri="{FF2B5EF4-FFF2-40B4-BE49-F238E27FC236}">
-                <a16:creationId xmlns:a16="http://schemas.microsoft.com/office/drawing/2014/main" id="{B0F25D04-4E2E-CA73-3DF9-11CFFE3DA845}"/>
+                <a16:creationId xmlns:a16="http://schemas.microsoft.com/office/drawing/2014/main" id="{88433552-E24A-5FCB-8E3A-B9DE0A0D1E03}"/>
               </a:ext>
             </a:extLst>
           </p:cNvPr>
@@ -1318,7 +1318,7 @@
           <p:cNvPr id="4" name="内容占位符 3">
             <a:extLst>
               <a:ext uri="{FF2B5EF4-FFF2-40B4-BE49-F238E27FC236}">
-                <a16:creationId xmlns:a16="http://schemas.microsoft.com/office/drawing/2014/main" id="{E1148C6C-EEF4-D415-F025-CA0AC9D10053}"/>
+                <a16:creationId xmlns:a16="http://schemas.microsoft.com/office/drawing/2014/main" id="{CEBFA6A9-9C42-0D02-A1BB-0A840681C354}"/>
               </a:ext>
             </a:extLst>
           </p:cNvPr>
@@ -1380,7 +1380,7 @@
           <p:cNvPr id="5" name="日期占位符 4">
             <a:extLst>
               <a:ext uri="{FF2B5EF4-FFF2-40B4-BE49-F238E27FC236}">
-                <a16:creationId xmlns:a16="http://schemas.microsoft.com/office/drawing/2014/main" id="{F0A634E7-1748-DFDA-A3A4-2273EB457870}"/>
+                <a16:creationId xmlns:a16="http://schemas.microsoft.com/office/drawing/2014/main" id="{53BCFBCF-0374-9CF5-A7FD-85564BD2404B}"/>
               </a:ext>
             </a:extLst>
           </p:cNvPr>
@@ -1396,7 +1396,7 @@
           <a:bodyPr/>
           <a:lstStyle/>
           <a:p>
-            <a:fld id="{216287DD-2379-47E1-8606-477342DD2A51}" type="datetimeFigureOut">
+            <a:fld id="{FB87E615-4573-4583-9836-1395B939776C}" type="datetimeFigureOut">
               <a:rPr lang="zh-CN" altLang="en-US" smtClean="0"/>
               <a:t>2024/3/10</a:t>
             </a:fld>
@@ -1409,7 +1409,7 @@
           <p:cNvPr id="6" name="页脚占位符 5">
             <a:extLst>
               <a:ext uri="{FF2B5EF4-FFF2-40B4-BE49-F238E27FC236}">
-                <a16:creationId xmlns:a16="http://schemas.microsoft.com/office/drawing/2014/main" id="{B70912E6-14C1-7A12-F4A4-47F989BC0373}"/>
+                <a16:creationId xmlns:a16="http://schemas.microsoft.com/office/drawing/2014/main" id="{63E77558-7C63-0A64-FB75-B76B1B5C9E9F}"/>
               </a:ext>
             </a:extLst>
           </p:cNvPr>
@@ -1434,7 +1434,7 @@
           <p:cNvPr id="7" name="灯片编号占位符 6">
             <a:extLst>
               <a:ext uri="{FF2B5EF4-FFF2-40B4-BE49-F238E27FC236}">
-                <a16:creationId xmlns:a16="http://schemas.microsoft.com/office/drawing/2014/main" id="{3DC6D9D8-5EAF-14BE-5D4F-2646100446F1}"/>
+                <a16:creationId xmlns:a16="http://schemas.microsoft.com/office/drawing/2014/main" id="{27F8FE49-C465-AA5C-8669-38EEC3743880}"/>
               </a:ext>
             </a:extLst>
           </p:cNvPr>
@@ -1450,7 +1450,7 @@
           <a:bodyPr/>
           <a:lstStyle/>
           <a:p>
-            <a:fld id="{1A211501-EDE0-4E83-AEBF-107C87696B10}" type="slidenum">
+            <a:fld id="{B44E8036-2533-4B75-BE2D-92A6FCB7CE52}" type="slidenum">
               <a:rPr lang="zh-CN" altLang="en-US" smtClean="0"/>
               <a:t>‹#›</a:t>
             </a:fld>
@@ -1461,7 +1461,7 @@
     </p:spTree>
     <p:extLst>
       <p:ext uri="{BB962C8B-B14F-4D97-AF65-F5344CB8AC3E}">
-        <p14:creationId xmlns:p14="http://schemas.microsoft.com/office/powerpoint/2010/main" val="1544342419"/>
+        <p14:creationId xmlns:p14="http://schemas.microsoft.com/office/powerpoint/2010/main" val="606181658"/>
       </p:ext>
     </p:extLst>
   </p:cSld>
@@ -1493,7 +1493,7 @@
           <p:cNvPr id="2" name="标题 1">
             <a:extLst>
               <a:ext uri="{FF2B5EF4-FFF2-40B4-BE49-F238E27FC236}">
-                <a16:creationId xmlns:a16="http://schemas.microsoft.com/office/drawing/2014/main" id="{7D56363B-AB19-9B6B-9F4D-B503494FD418}"/>
+                <a16:creationId xmlns:a16="http://schemas.microsoft.com/office/drawing/2014/main" id="{DDEB956C-29B3-26BF-7F8E-60340DAA4A01}"/>
               </a:ext>
             </a:extLst>
           </p:cNvPr>
@@ -1526,7 +1526,7 @@
           <p:cNvPr id="3" name="文本占位符 2">
             <a:extLst>
               <a:ext uri="{FF2B5EF4-FFF2-40B4-BE49-F238E27FC236}">
-                <a16:creationId xmlns:a16="http://schemas.microsoft.com/office/drawing/2014/main" id="{27B63855-0F24-A1D7-8101-A6DC3D2352B5}"/>
+                <a16:creationId xmlns:a16="http://schemas.microsoft.com/office/drawing/2014/main" id="{DAAC5E9D-606C-D6F9-4BBC-5ED620C847FC}"/>
               </a:ext>
             </a:extLst>
           </p:cNvPr>
@@ -1597,7 +1597,7 @@
           <p:cNvPr id="4" name="内容占位符 3">
             <a:extLst>
               <a:ext uri="{FF2B5EF4-FFF2-40B4-BE49-F238E27FC236}">
-                <a16:creationId xmlns:a16="http://schemas.microsoft.com/office/drawing/2014/main" id="{824F3C77-78F0-20E3-800B-CCD3C90E2BA8}"/>
+                <a16:creationId xmlns:a16="http://schemas.microsoft.com/office/drawing/2014/main" id="{B8619FE1-B36D-62D6-1147-E5F79BF61A96}"/>
               </a:ext>
             </a:extLst>
           </p:cNvPr>
@@ -1659,7 +1659,7 @@
           <p:cNvPr id="5" name="文本占位符 4">
             <a:extLst>
               <a:ext uri="{FF2B5EF4-FFF2-40B4-BE49-F238E27FC236}">
-                <a16:creationId xmlns:a16="http://schemas.microsoft.com/office/drawing/2014/main" id="{090DB481-2D17-A37B-9236-02BA4FFB1A55}"/>
+                <a16:creationId xmlns:a16="http://schemas.microsoft.com/office/drawing/2014/main" id="{4AEBA42F-6349-3A69-AD61-B83463A44C91}"/>
               </a:ext>
             </a:extLst>
           </p:cNvPr>
@@ -1730,7 +1730,7 @@
           <p:cNvPr id="6" name="内容占位符 5">
             <a:extLst>
               <a:ext uri="{FF2B5EF4-FFF2-40B4-BE49-F238E27FC236}">
-                <a16:creationId xmlns:a16="http://schemas.microsoft.com/office/drawing/2014/main" id="{5D658E48-2A16-6DB1-EBCC-93DCFAB41328}"/>
+                <a16:creationId xmlns:a16="http://schemas.microsoft.com/office/drawing/2014/main" id="{EF6A0945-79CC-85EB-A4A8-110E3DD968AF}"/>
               </a:ext>
             </a:extLst>
           </p:cNvPr>
@@ -1792,7 +1792,7 @@
           <p:cNvPr id="7" name="日期占位符 6">
             <a:extLst>
               <a:ext uri="{FF2B5EF4-FFF2-40B4-BE49-F238E27FC236}">
-                <a16:creationId xmlns:a16="http://schemas.microsoft.com/office/drawing/2014/main" id="{61BE5160-274E-C560-12C2-F549BE6A4D1C}"/>
+                <a16:creationId xmlns:a16="http://schemas.microsoft.com/office/drawing/2014/main" id="{02BA349D-D9CE-C204-4E7E-EBC80780D018}"/>
               </a:ext>
             </a:extLst>
           </p:cNvPr>
@@ -1808,7 +1808,7 @@
           <a:bodyPr/>
           <a:lstStyle/>
           <a:p>
-            <a:fld id="{216287DD-2379-47E1-8606-477342DD2A51}" type="datetimeFigureOut">
+            <a:fld id="{FB87E615-4573-4583-9836-1395B939776C}" type="datetimeFigureOut">
               <a:rPr lang="zh-CN" altLang="en-US" smtClean="0"/>
               <a:t>2024/3/10</a:t>
             </a:fld>
@@ -1821,7 +1821,7 @@
           <p:cNvPr id="8" name="页脚占位符 7">
             <a:extLst>
               <a:ext uri="{FF2B5EF4-FFF2-40B4-BE49-F238E27FC236}">
-                <a16:creationId xmlns:a16="http://schemas.microsoft.com/office/drawing/2014/main" id="{DC79E805-9CFC-643D-6BFA-FF9BCEB9FFE8}"/>
+                <a16:creationId xmlns:a16="http://schemas.microsoft.com/office/drawing/2014/main" id="{19158591-80FA-78C3-E4A3-95CD43F910F2}"/>
               </a:ext>
             </a:extLst>
           </p:cNvPr>
@@ -1846,7 +1846,7 @@
           <p:cNvPr id="9" name="灯片编号占位符 8">
             <a:extLst>
               <a:ext uri="{FF2B5EF4-FFF2-40B4-BE49-F238E27FC236}">
-                <a16:creationId xmlns:a16="http://schemas.microsoft.com/office/drawing/2014/main" id="{9F6C9872-6998-1F88-6283-93CFE1C23D81}"/>
+                <a16:creationId xmlns:a16="http://schemas.microsoft.com/office/drawing/2014/main" id="{AE36C4BE-5EE7-A0B1-67B0-C279A3092E65}"/>
               </a:ext>
             </a:extLst>
           </p:cNvPr>
@@ -1862,7 +1862,7 @@
           <a:bodyPr/>
           <a:lstStyle/>
           <a:p>
-            <a:fld id="{1A211501-EDE0-4E83-AEBF-107C87696B10}" type="slidenum">
+            <a:fld id="{B44E8036-2533-4B75-BE2D-92A6FCB7CE52}" type="slidenum">
               <a:rPr lang="zh-CN" altLang="en-US" smtClean="0"/>
               <a:t>‹#›</a:t>
             </a:fld>
@@ -1873,7 +1873,7 @@
     </p:spTree>
     <p:extLst>
       <p:ext uri="{BB962C8B-B14F-4D97-AF65-F5344CB8AC3E}">
-        <p14:creationId xmlns:p14="http://schemas.microsoft.com/office/powerpoint/2010/main" val="2361798254"/>
+        <p14:creationId xmlns:p14="http://schemas.microsoft.com/office/powerpoint/2010/main" val="3662990987"/>
       </p:ext>
     </p:extLst>
   </p:cSld>
@@ -1905,7 +1905,7 @@
           <p:cNvPr id="2" name="标题 1">
             <a:extLst>
               <a:ext uri="{FF2B5EF4-FFF2-40B4-BE49-F238E27FC236}">
-                <a16:creationId xmlns:a16="http://schemas.microsoft.com/office/drawing/2014/main" id="{DA1E4C21-8B14-B3A4-F18B-E9B56660D080}"/>
+                <a16:creationId xmlns:a16="http://schemas.microsoft.com/office/drawing/2014/main" id="{E5B2D003-7FFA-9A5D-22CB-0EFD6A7FC129}"/>
               </a:ext>
             </a:extLst>
           </p:cNvPr>
@@ -1933,7 +1933,7 @@
           <p:cNvPr id="3" name="日期占位符 2">
             <a:extLst>
               <a:ext uri="{FF2B5EF4-FFF2-40B4-BE49-F238E27FC236}">
-                <a16:creationId xmlns:a16="http://schemas.microsoft.com/office/drawing/2014/main" id="{FF04619D-9808-D370-C362-86C27B719E6A}"/>
+                <a16:creationId xmlns:a16="http://schemas.microsoft.com/office/drawing/2014/main" id="{1F74D63F-E3D1-8381-999F-4B8C0687F998}"/>
               </a:ext>
             </a:extLst>
           </p:cNvPr>
@@ -1949,7 +1949,7 @@
           <a:bodyPr/>
           <a:lstStyle/>
           <a:p>
-            <a:fld id="{216287DD-2379-47E1-8606-477342DD2A51}" type="datetimeFigureOut">
+            <a:fld id="{FB87E615-4573-4583-9836-1395B939776C}" type="datetimeFigureOut">
               <a:rPr lang="zh-CN" altLang="en-US" smtClean="0"/>
               <a:t>2024/3/10</a:t>
             </a:fld>
@@ -1962,7 +1962,7 @@
           <p:cNvPr id="4" name="页脚占位符 3">
             <a:extLst>
               <a:ext uri="{FF2B5EF4-FFF2-40B4-BE49-F238E27FC236}">
-                <a16:creationId xmlns:a16="http://schemas.microsoft.com/office/drawing/2014/main" id="{9EAA63D9-591F-009F-587E-FDD58DC993B9}"/>
+                <a16:creationId xmlns:a16="http://schemas.microsoft.com/office/drawing/2014/main" id="{5A890651-24CE-A591-13B4-326899B0CCBF}"/>
               </a:ext>
             </a:extLst>
           </p:cNvPr>
@@ -1987,7 +1987,7 @@
           <p:cNvPr id="5" name="灯片编号占位符 4">
             <a:extLst>
               <a:ext uri="{FF2B5EF4-FFF2-40B4-BE49-F238E27FC236}">
-                <a16:creationId xmlns:a16="http://schemas.microsoft.com/office/drawing/2014/main" id="{B2FF0632-DE55-7345-74D1-513B019E9200}"/>
+                <a16:creationId xmlns:a16="http://schemas.microsoft.com/office/drawing/2014/main" id="{94F20AAB-42F7-7CC8-31B4-2B6388CA3509}"/>
               </a:ext>
             </a:extLst>
           </p:cNvPr>
@@ -2003,7 +2003,7 @@
           <a:bodyPr/>
           <a:lstStyle/>
           <a:p>
-            <a:fld id="{1A211501-EDE0-4E83-AEBF-107C87696B10}" type="slidenum">
+            <a:fld id="{B44E8036-2533-4B75-BE2D-92A6FCB7CE52}" type="slidenum">
               <a:rPr lang="zh-CN" altLang="en-US" smtClean="0"/>
               <a:t>‹#›</a:t>
             </a:fld>
@@ -2014,7 +2014,7 @@
     </p:spTree>
     <p:extLst>
       <p:ext uri="{BB962C8B-B14F-4D97-AF65-F5344CB8AC3E}">
-        <p14:creationId xmlns:p14="http://schemas.microsoft.com/office/powerpoint/2010/main" val="3761266996"/>
+        <p14:creationId xmlns:p14="http://schemas.microsoft.com/office/powerpoint/2010/main" val="2258101486"/>
       </p:ext>
     </p:extLst>
   </p:cSld>
@@ -2046,7 +2046,7 @@
           <p:cNvPr id="2" name="日期占位符 1">
             <a:extLst>
               <a:ext uri="{FF2B5EF4-FFF2-40B4-BE49-F238E27FC236}">
-                <a16:creationId xmlns:a16="http://schemas.microsoft.com/office/drawing/2014/main" id="{14CB32FA-A5F9-B758-B705-96BBBEDA64FD}"/>
+                <a16:creationId xmlns:a16="http://schemas.microsoft.com/office/drawing/2014/main" id="{30B8AB58-14C1-F2E8-57EE-86A4B85D9B05}"/>
               </a:ext>
             </a:extLst>
           </p:cNvPr>
@@ -2062,7 +2062,7 @@
           <a:bodyPr/>
           <a:lstStyle/>
           <a:p>
-            <a:fld id="{216287DD-2379-47E1-8606-477342DD2A51}" type="datetimeFigureOut">
+            <a:fld id="{FB87E615-4573-4583-9836-1395B939776C}" type="datetimeFigureOut">
               <a:rPr lang="zh-CN" altLang="en-US" smtClean="0"/>
               <a:t>2024/3/10</a:t>
             </a:fld>
@@ -2075,7 +2075,7 @@
           <p:cNvPr id="3" name="页脚占位符 2">
             <a:extLst>
               <a:ext uri="{FF2B5EF4-FFF2-40B4-BE49-F238E27FC236}">
-                <a16:creationId xmlns:a16="http://schemas.microsoft.com/office/drawing/2014/main" id="{60DE76DB-9334-4308-4C87-EBC489C8BA0B}"/>
+                <a16:creationId xmlns:a16="http://schemas.microsoft.com/office/drawing/2014/main" id="{BACFF381-88E2-D527-49AC-4B387CDA8399}"/>
               </a:ext>
             </a:extLst>
           </p:cNvPr>
@@ -2100,7 +2100,7 @@
           <p:cNvPr id="4" name="灯片编号占位符 3">
             <a:extLst>
               <a:ext uri="{FF2B5EF4-FFF2-40B4-BE49-F238E27FC236}">
-                <a16:creationId xmlns:a16="http://schemas.microsoft.com/office/drawing/2014/main" id="{71F48495-D5F5-6DB0-0776-3105304E057F}"/>
+                <a16:creationId xmlns:a16="http://schemas.microsoft.com/office/drawing/2014/main" id="{3CBE1DE8-61CC-AED0-B183-C3E66F588B86}"/>
               </a:ext>
             </a:extLst>
           </p:cNvPr>
@@ -2116,7 +2116,7 @@
           <a:bodyPr/>
           <a:lstStyle/>
           <a:p>
-            <a:fld id="{1A211501-EDE0-4E83-AEBF-107C87696B10}" type="slidenum">
+            <a:fld id="{B44E8036-2533-4B75-BE2D-92A6FCB7CE52}" type="slidenum">
               <a:rPr lang="zh-CN" altLang="en-US" smtClean="0"/>
               <a:t>‹#›</a:t>
             </a:fld>
@@ -2127,7 +2127,7 @@
     </p:spTree>
     <p:extLst>
       <p:ext uri="{BB962C8B-B14F-4D97-AF65-F5344CB8AC3E}">
-        <p14:creationId xmlns:p14="http://schemas.microsoft.com/office/powerpoint/2010/main" val="2795621438"/>
+        <p14:creationId xmlns:p14="http://schemas.microsoft.com/office/powerpoint/2010/main" val="171478221"/>
       </p:ext>
     </p:extLst>
   </p:cSld>
@@ -2159,7 +2159,7 @@
           <p:cNvPr id="2" name="标题 1">
             <a:extLst>
               <a:ext uri="{FF2B5EF4-FFF2-40B4-BE49-F238E27FC236}">
-                <a16:creationId xmlns:a16="http://schemas.microsoft.com/office/drawing/2014/main" id="{3E5711DE-E3EC-7D68-8091-2D154453F5E6}"/>
+                <a16:creationId xmlns:a16="http://schemas.microsoft.com/office/drawing/2014/main" id="{1B348CEE-2651-1B6F-A3B3-AA25347C608D}"/>
               </a:ext>
             </a:extLst>
           </p:cNvPr>
@@ -2196,7 +2196,7 @@
           <p:cNvPr id="3" name="内容占位符 2">
             <a:extLst>
               <a:ext uri="{FF2B5EF4-FFF2-40B4-BE49-F238E27FC236}">
-                <a16:creationId xmlns:a16="http://schemas.microsoft.com/office/drawing/2014/main" id="{89D41D98-1895-4F64-47B0-FC214FB06D8A}"/>
+                <a16:creationId xmlns:a16="http://schemas.microsoft.com/office/drawing/2014/main" id="{5CD8A1C2-F71B-9E95-5999-477ED954B06D}"/>
               </a:ext>
             </a:extLst>
           </p:cNvPr>
@@ -2286,7 +2286,7 @@
           <p:cNvPr id="4" name="文本占位符 3">
             <a:extLst>
               <a:ext uri="{FF2B5EF4-FFF2-40B4-BE49-F238E27FC236}">
-                <a16:creationId xmlns:a16="http://schemas.microsoft.com/office/drawing/2014/main" id="{8ABB48F4-9912-069E-45E7-6018B7DED963}"/>
+                <a16:creationId xmlns:a16="http://schemas.microsoft.com/office/drawing/2014/main" id="{1C7106A9-732A-1231-40EE-7581EE16F03C}"/>
               </a:ext>
             </a:extLst>
           </p:cNvPr>
@@ -2357,7 +2357,7 @@
           <p:cNvPr id="5" name="日期占位符 4">
             <a:extLst>
               <a:ext uri="{FF2B5EF4-FFF2-40B4-BE49-F238E27FC236}">
-                <a16:creationId xmlns:a16="http://schemas.microsoft.com/office/drawing/2014/main" id="{5AAD0B20-801A-6AB0-576C-42C9D3194FBD}"/>
+                <a16:creationId xmlns:a16="http://schemas.microsoft.com/office/drawing/2014/main" id="{868C2210-CFE0-B809-093A-C34FBFC537D4}"/>
               </a:ext>
             </a:extLst>
           </p:cNvPr>
@@ -2373,7 +2373,7 @@
           <a:bodyPr/>
           <a:lstStyle/>
           <a:p>
-            <a:fld id="{216287DD-2379-47E1-8606-477342DD2A51}" type="datetimeFigureOut">
+            <a:fld id="{FB87E615-4573-4583-9836-1395B939776C}" type="datetimeFigureOut">
               <a:rPr lang="zh-CN" altLang="en-US" smtClean="0"/>
               <a:t>2024/3/10</a:t>
             </a:fld>
@@ -2386,7 +2386,7 @@
           <p:cNvPr id="6" name="页脚占位符 5">
             <a:extLst>
               <a:ext uri="{FF2B5EF4-FFF2-40B4-BE49-F238E27FC236}">
-                <a16:creationId xmlns:a16="http://schemas.microsoft.com/office/drawing/2014/main" id="{97BACD46-A727-CC26-570B-B208359C2531}"/>
+                <a16:creationId xmlns:a16="http://schemas.microsoft.com/office/drawing/2014/main" id="{8F4A01E6-8F90-8A60-1F65-6701D1A3AE72}"/>
               </a:ext>
             </a:extLst>
           </p:cNvPr>
@@ -2411,7 +2411,7 @@
           <p:cNvPr id="7" name="灯片编号占位符 6">
             <a:extLst>
               <a:ext uri="{FF2B5EF4-FFF2-40B4-BE49-F238E27FC236}">
-                <a16:creationId xmlns:a16="http://schemas.microsoft.com/office/drawing/2014/main" id="{CAB0E3EF-DBD1-2877-BF9D-36951EA389D7}"/>
+                <a16:creationId xmlns:a16="http://schemas.microsoft.com/office/drawing/2014/main" id="{2F54B19E-9EEA-A96C-15E3-0039E6ACE8D0}"/>
               </a:ext>
             </a:extLst>
           </p:cNvPr>
@@ -2427,7 +2427,7 @@
           <a:bodyPr/>
           <a:lstStyle/>
           <a:p>
-            <a:fld id="{1A211501-EDE0-4E83-AEBF-107C87696B10}" type="slidenum">
+            <a:fld id="{B44E8036-2533-4B75-BE2D-92A6FCB7CE52}" type="slidenum">
               <a:rPr lang="zh-CN" altLang="en-US" smtClean="0"/>
               <a:t>‹#›</a:t>
             </a:fld>
@@ -2438,7 +2438,7 @@
     </p:spTree>
     <p:extLst>
       <p:ext uri="{BB962C8B-B14F-4D97-AF65-F5344CB8AC3E}">
-        <p14:creationId xmlns:p14="http://schemas.microsoft.com/office/powerpoint/2010/main" val="1678683087"/>
+        <p14:creationId xmlns:p14="http://schemas.microsoft.com/office/powerpoint/2010/main" val="1724406684"/>
       </p:ext>
     </p:extLst>
   </p:cSld>
@@ -2470,7 +2470,7 @@
           <p:cNvPr id="2" name="标题 1">
             <a:extLst>
               <a:ext uri="{FF2B5EF4-FFF2-40B4-BE49-F238E27FC236}">
-                <a16:creationId xmlns:a16="http://schemas.microsoft.com/office/drawing/2014/main" id="{863773D0-F91F-CB66-1FB1-0168B2703C6A}"/>
+                <a16:creationId xmlns:a16="http://schemas.microsoft.com/office/drawing/2014/main" id="{D0E39F0F-7D1C-AC04-3BD0-713FF3257165}"/>
               </a:ext>
             </a:extLst>
           </p:cNvPr>
@@ -2507,7 +2507,7 @@
           <p:cNvPr id="3" name="图片占位符 2">
             <a:extLst>
               <a:ext uri="{FF2B5EF4-FFF2-40B4-BE49-F238E27FC236}">
-                <a16:creationId xmlns:a16="http://schemas.microsoft.com/office/drawing/2014/main" id="{DBF5880B-3319-0B72-2FAA-3FDEB823C141}"/>
+                <a16:creationId xmlns:a16="http://schemas.microsoft.com/office/drawing/2014/main" id="{60076897-9F34-D17C-B349-13760042D702}"/>
               </a:ext>
             </a:extLst>
           </p:cNvPr>
@@ -2574,7 +2574,7 @@
           <p:cNvPr id="4" name="文本占位符 3">
             <a:extLst>
               <a:ext uri="{FF2B5EF4-FFF2-40B4-BE49-F238E27FC236}">
-                <a16:creationId xmlns:a16="http://schemas.microsoft.com/office/drawing/2014/main" id="{1076DA91-9FDB-D4E6-CD4A-6B5F1A350F1C}"/>
+                <a16:creationId xmlns:a16="http://schemas.microsoft.com/office/drawing/2014/main" id="{14D55176-6F7E-8686-AD2D-AD8F1D5AA410}"/>
               </a:ext>
             </a:extLst>
           </p:cNvPr>
@@ -2645,7 +2645,7 @@
           <p:cNvPr id="5" name="日期占位符 4">
             <a:extLst>
               <a:ext uri="{FF2B5EF4-FFF2-40B4-BE49-F238E27FC236}">
-                <a16:creationId xmlns:a16="http://schemas.microsoft.com/office/drawing/2014/main" id="{CE55918C-2E5E-4A93-F1BF-34D251F1C64C}"/>
+                <a16:creationId xmlns:a16="http://schemas.microsoft.com/office/drawing/2014/main" id="{C2372F17-C014-90C0-80A9-42A4361E735A}"/>
               </a:ext>
             </a:extLst>
           </p:cNvPr>
@@ -2661,7 +2661,7 @@
           <a:bodyPr/>
           <a:lstStyle/>
           <a:p>
-            <a:fld id="{216287DD-2379-47E1-8606-477342DD2A51}" type="datetimeFigureOut">
+            <a:fld id="{FB87E615-4573-4583-9836-1395B939776C}" type="datetimeFigureOut">
               <a:rPr lang="zh-CN" altLang="en-US" smtClean="0"/>
               <a:t>2024/3/10</a:t>
             </a:fld>
@@ -2674,7 +2674,7 @@
           <p:cNvPr id="6" name="页脚占位符 5">
             <a:extLst>
               <a:ext uri="{FF2B5EF4-FFF2-40B4-BE49-F238E27FC236}">
-                <a16:creationId xmlns:a16="http://schemas.microsoft.com/office/drawing/2014/main" id="{FDBE842D-F9EB-296C-5CEA-165BE7FC70B5}"/>
+                <a16:creationId xmlns:a16="http://schemas.microsoft.com/office/drawing/2014/main" id="{70C2AB71-7F13-E48D-D2B6-63FD2847238A}"/>
               </a:ext>
             </a:extLst>
           </p:cNvPr>
@@ -2699,7 +2699,7 @@
           <p:cNvPr id="7" name="灯片编号占位符 6">
             <a:extLst>
               <a:ext uri="{FF2B5EF4-FFF2-40B4-BE49-F238E27FC236}">
-                <a16:creationId xmlns:a16="http://schemas.microsoft.com/office/drawing/2014/main" id="{31B8D0C4-E9BB-35C9-C449-777918727CA3}"/>
+                <a16:creationId xmlns:a16="http://schemas.microsoft.com/office/drawing/2014/main" id="{40887614-D1F6-6E50-8453-475A5313997D}"/>
               </a:ext>
             </a:extLst>
           </p:cNvPr>
@@ -2715,7 +2715,7 @@
           <a:bodyPr/>
           <a:lstStyle/>
           <a:p>
-            <a:fld id="{1A211501-EDE0-4E83-AEBF-107C87696B10}" type="slidenum">
+            <a:fld id="{B44E8036-2533-4B75-BE2D-92A6FCB7CE52}" type="slidenum">
               <a:rPr lang="zh-CN" altLang="en-US" smtClean="0"/>
               <a:t>‹#›</a:t>
             </a:fld>
@@ -2726,7 +2726,7 @@
     </p:spTree>
     <p:extLst>
       <p:ext uri="{BB962C8B-B14F-4D97-AF65-F5344CB8AC3E}">
-        <p14:creationId xmlns:p14="http://schemas.microsoft.com/office/powerpoint/2010/main" val="5219181"/>
+        <p14:creationId xmlns:p14="http://schemas.microsoft.com/office/powerpoint/2010/main" val="885401970"/>
       </p:ext>
     </p:extLst>
   </p:cSld>
@@ -2763,7 +2763,7 @@
           <p:cNvPr id="2" name="标题占位符 1">
             <a:extLst>
               <a:ext uri="{FF2B5EF4-FFF2-40B4-BE49-F238E27FC236}">
-                <a16:creationId xmlns:a16="http://schemas.microsoft.com/office/drawing/2014/main" id="{DFA669FE-1A73-83F1-8E36-381669F852C3}"/>
+                <a16:creationId xmlns:a16="http://schemas.microsoft.com/office/drawing/2014/main" id="{862D138A-A002-3D41-F6D1-4C856B3BA735}"/>
               </a:ext>
             </a:extLst>
           </p:cNvPr>
@@ -2801,7 +2801,7 @@
           <p:cNvPr id="3" name="文本占位符 2">
             <a:extLst>
               <a:ext uri="{FF2B5EF4-FFF2-40B4-BE49-F238E27FC236}">
-                <a16:creationId xmlns:a16="http://schemas.microsoft.com/office/drawing/2014/main" id="{E567F910-BD6F-FF23-8AF6-83892FB4BBB8}"/>
+                <a16:creationId xmlns:a16="http://schemas.microsoft.com/office/drawing/2014/main" id="{006C2CEB-F7CA-26F5-CCEE-11A053A9EF9A}"/>
               </a:ext>
             </a:extLst>
           </p:cNvPr>
@@ -2868,7 +2868,7 @@
           <p:cNvPr id="4" name="日期占位符 3">
             <a:extLst>
               <a:ext uri="{FF2B5EF4-FFF2-40B4-BE49-F238E27FC236}">
-                <a16:creationId xmlns:a16="http://schemas.microsoft.com/office/drawing/2014/main" id="{0D8C7DF2-611C-ACC7-1ED9-E4A380D3A86C}"/>
+                <a16:creationId xmlns:a16="http://schemas.microsoft.com/office/drawing/2014/main" id="{D7A6F885-B135-9400-224A-43E604E2B32F}"/>
               </a:ext>
             </a:extLst>
           </p:cNvPr>
@@ -2902,7 +2902,7 @@
             </a:lvl1pPr>
           </a:lstStyle>
           <a:p>
-            <a:fld id="{216287DD-2379-47E1-8606-477342DD2A51}" type="datetimeFigureOut">
+            <a:fld id="{FB87E615-4573-4583-9836-1395B939776C}" type="datetimeFigureOut">
               <a:rPr lang="zh-CN" altLang="en-US" smtClean="0"/>
               <a:t>2024/3/10</a:t>
             </a:fld>
@@ -2915,7 +2915,7 @@
           <p:cNvPr id="5" name="页脚占位符 4">
             <a:extLst>
               <a:ext uri="{FF2B5EF4-FFF2-40B4-BE49-F238E27FC236}">
-                <a16:creationId xmlns:a16="http://schemas.microsoft.com/office/drawing/2014/main" id="{D1189F77-662E-F40C-CB46-BB0269E736CB}"/>
+                <a16:creationId xmlns:a16="http://schemas.microsoft.com/office/drawing/2014/main" id="{2F5B5298-4EAC-03A6-8F88-B0E4F0B999BA}"/>
               </a:ext>
             </a:extLst>
           </p:cNvPr>
@@ -2958,7 +2958,7 @@
           <p:cNvPr id="6" name="灯片编号占位符 5">
             <a:extLst>
               <a:ext uri="{FF2B5EF4-FFF2-40B4-BE49-F238E27FC236}">
-                <a16:creationId xmlns:a16="http://schemas.microsoft.com/office/drawing/2014/main" id="{BA3596A1-CFCD-C01B-5204-9CBB4FB81BA7}"/>
+                <a16:creationId xmlns:a16="http://schemas.microsoft.com/office/drawing/2014/main" id="{A06E365B-B2BD-CBDC-C53F-985627D733DC}"/>
               </a:ext>
             </a:extLst>
           </p:cNvPr>
@@ -2992,7 +2992,7 @@
             </a:lvl1pPr>
           </a:lstStyle>
           <a:p>
-            <a:fld id="{1A211501-EDE0-4E83-AEBF-107C87696B10}" type="slidenum">
+            <a:fld id="{B44E8036-2533-4B75-BE2D-92A6FCB7CE52}" type="slidenum">
               <a:rPr lang="zh-CN" altLang="en-US" smtClean="0"/>
               <a:t>‹#›</a:t>
             </a:fld>
@@ -3003,7 +3003,7 @@
     </p:spTree>
     <p:extLst>
       <p:ext uri="{BB962C8B-B14F-4D97-AF65-F5344CB8AC3E}">
-        <p14:creationId xmlns:p14="http://schemas.microsoft.com/office/powerpoint/2010/main" val="2968306701"/>
+        <p14:creationId xmlns:p14="http://schemas.microsoft.com/office/powerpoint/2010/main" val="3732528772"/>
       </p:ext>
     </p:extLst>
   </p:cSld>
